--- a/images/architecture_diagram.pptx
+++ b/images/architecture_diagram.pptx
@@ -14,11 +14,18 @@
   <p:notesSz cx="6858000" cy="9144000"/>
   <p:embeddedFontLst>
     <p:embeddedFont>
-      <p:font typeface="Consolas" panose="020B0609020204030204" pitchFamily="49" charset="0"/>
+      <p:font typeface="Amazon Ember" panose="020B0603020204020204" pitchFamily="34" charset="0"/>
       <p:regular r:id="rId4"/>
       <p:bold r:id="rId5"/>
       <p:italic r:id="rId6"/>
       <p:boldItalic r:id="rId7"/>
+    </p:embeddedFont>
+    <p:embeddedFont>
+      <p:font typeface="Consolas" panose="020B0609020204030204" pitchFamily="49" charset="0"/>
+      <p:regular r:id="rId8"/>
+      <p:bold r:id="rId9"/>
+      <p:italic r:id="rId10"/>
+      <p:boldItalic r:id="rId11"/>
     </p:embeddedFont>
   </p:embeddedFontLst>
   <p:defaultTextStyle>
@@ -5191,8 +5198,8 @@
         </p:nvSpPr>
         <p:spPr>
           <a:xfrm>
-            <a:off x="670050" y="986225"/>
-            <a:ext cx="7741500" cy="3646800"/>
+            <a:off x="670050" y="682871"/>
+            <a:ext cx="6561779" cy="2528162"/>
           </a:xfrm>
           <a:prstGeom prst="roundRect">
             <a:avLst>
@@ -5238,7 +5245,7 @@
         <p:spPr>
           <a:xfrm>
             <a:off x="1012525" y="1308575"/>
-            <a:ext cx="6969300" cy="2450400"/>
+            <a:ext cx="4401090" cy="1635731"/>
           </a:xfrm>
           <a:prstGeom prst="roundRect">
             <a:avLst>
@@ -5277,75 +5284,18 @@
       </p:sp>
       <p:cxnSp>
         <p:nvCxnSpPr>
-          <p:cNvPr id="398" name="Google Shape;398;p28"/>
+          <p:cNvPr id="403" name="Google Shape;403;p28"/>
           <p:cNvCxnSpPr>
-            <a:stCxn id="399" idx="3"/>
+            <a:cxnSpLocks/>
+            <a:stCxn id="404" idx="3"/>
             <a:endCxn id="400" idx="1"/>
           </p:cNvCxnSpPr>
           <p:nvPr/>
         </p:nvCxnSpPr>
         <p:spPr>
           <a:xfrm>
-            <a:off x="3287100" y="4196821"/>
-            <a:ext cx="941400" cy="0"/>
-          </a:xfrm>
-          <a:prstGeom prst="straightConnector1">
-            <a:avLst/>
-          </a:prstGeom>
-          <a:noFill/>
-          <a:ln w="28575" cap="flat" cmpd="sng">
-            <a:solidFill>
-              <a:srgbClr val="999999"/>
-            </a:solidFill>
-            <a:prstDash val="dash"/>
-            <a:round/>
-            <a:headEnd type="none" w="med" len="med"/>
-            <a:tailEnd type="triangle" w="med" len="med"/>
-          </a:ln>
-        </p:spPr>
-      </p:cxnSp>
-      <p:cxnSp>
-        <p:nvCxnSpPr>
-          <p:cNvPr id="401" name="Google Shape;401;p28"/>
-          <p:cNvCxnSpPr>
-            <a:stCxn id="402" idx="2"/>
-            <a:endCxn id="400" idx="0"/>
-          </p:cNvCxnSpPr>
-          <p:nvPr/>
-        </p:nvCxnSpPr>
-        <p:spPr>
-          <a:xfrm>
-            <a:off x="4480473" y="3273083"/>
-            <a:ext cx="1800" cy="669900"/>
-          </a:xfrm>
-          <a:prstGeom prst="straightConnector1">
-            <a:avLst/>
-          </a:prstGeom>
-          <a:noFill/>
-          <a:ln w="28575" cap="flat" cmpd="sng">
-            <a:solidFill>
-              <a:schemeClr val="dk2"/>
-            </a:solidFill>
-            <a:prstDash val="solid"/>
-            <a:round/>
-            <a:headEnd type="triangle" w="med" len="med"/>
-            <a:tailEnd type="triangle" w="med" len="med"/>
-          </a:ln>
-        </p:spPr>
-      </p:cxnSp>
-      <p:cxnSp>
-        <p:nvCxnSpPr>
-          <p:cNvPr id="403" name="Google Shape;403;p28"/>
-          <p:cNvCxnSpPr>
-            <a:stCxn id="404" idx="2"/>
-            <a:endCxn id="402" idx="0"/>
-          </p:cNvCxnSpPr>
-          <p:nvPr/>
-        </p:nvCxnSpPr>
-        <p:spPr>
-          <a:xfrm>
-            <a:off x="4480482" y="2394727"/>
-            <a:ext cx="0" cy="371100"/>
+            <a:off x="4386296" y="2094827"/>
+            <a:ext cx="1666366" cy="0"/>
           </a:xfrm>
           <a:prstGeom prst="straightConnector1">
             <a:avLst/>
@@ -5372,13 +5322,13 @@
           <p:nvPr/>
         </p:nvCxnSpPr>
         <p:spPr>
-          <a:xfrm>
-            <a:off x="3631455" y="2094837"/>
-            <a:ext cx="549000" cy="600"/>
+          <a:xfrm flipV="1">
+            <a:off x="2510001" y="2094827"/>
+            <a:ext cx="1276492" cy="1"/>
           </a:xfrm>
           <a:prstGeom prst="bentConnector3">
             <a:avLst>
-              <a:gd name="adj1" fmla="val 50011"/>
+              <a:gd name="adj1" fmla="val 50000"/>
             </a:avLst>
           </a:prstGeom>
           <a:noFill/>
@@ -5387,68 +5337,6 @@
               <a:schemeClr val="dk2"/>
             </a:solidFill>
             <a:prstDash val="solid"/>
-            <a:round/>
-            <a:headEnd type="none" w="med" len="med"/>
-            <a:tailEnd type="triangle" w="med" len="med"/>
-          </a:ln>
-        </p:spPr>
-      </p:cxnSp>
-      <p:cxnSp>
-        <p:nvCxnSpPr>
-          <p:cNvPr id="409" name="Google Shape;409;p28"/>
-          <p:cNvCxnSpPr>
-            <a:stCxn id="404" idx="3"/>
-            <a:endCxn id="410" idx="1"/>
-          </p:cNvCxnSpPr>
-          <p:nvPr/>
-        </p:nvCxnSpPr>
-        <p:spPr>
-          <a:xfrm>
-            <a:off x="4780383" y="2094827"/>
-            <a:ext cx="632100" cy="600"/>
-          </a:xfrm>
-          <a:prstGeom prst="bentConnector3">
-            <a:avLst>
-              <a:gd name="adj1" fmla="val 50004"/>
-            </a:avLst>
-          </a:prstGeom>
-          <a:noFill/>
-          <a:ln w="28575" cap="flat" cmpd="sng">
-            <a:solidFill>
-              <a:srgbClr val="999999"/>
-            </a:solidFill>
-            <a:prstDash val="dash"/>
-            <a:round/>
-            <a:headEnd type="triangle" w="med" len="med"/>
-            <a:tailEnd type="none" w="med" len="med"/>
-          </a:ln>
-        </p:spPr>
-      </p:cxnSp>
-      <p:cxnSp>
-        <p:nvCxnSpPr>
-          <p:cNvPr id="411" name="Google Shape;411;p28"/>
-          <p:cNvCxnSpPr>
-            <a:stCxn id="412" idx="1"/>
-            <a:endCxn id="410" idx="3"/>
-          </p:cNvCxnSpPr>
-          <p:nvPr/>
-        </p:nvCxnSpPr>
-        <p:spPr>
-          <a:xfrm rot="10800000">
-            <a:off x="6012343" y="2094885"/>
-            <a:ext cx="480000" cy="2400"/>
-          </a:xfrm>
-          <a:prstGeom prst="bentConnector3">
-            <a:avLst>
-              <a:gd name="adj1" fmla="val 50001"/>
-            </a:avLst>
-          </a:prstGeom>
-          <a:noFill/>
-          <a:ln w="28575" cap="flat" cmpd="sng">
-            <a:solidFill>
-              <a:srgbClr val="999999"/>
-            </a:solidFill>
-            <a:prstDash val="dash"/>
             <a:round/>
             <a:headEnd type="none" w="med" len="med"/>
             <a:tailEnd type="triangle" w="med" len="med"/>
@@ -5499,64 +5387,8 @@
         </p:blipFill>
         <p:spPr>
           <a:xfrm>
-            <a:off x="4180580" y="1794927"/>
+            <a:off x="3786493" y="1794927"/>
             <a:ext cx="599803" cy="599800"/>
-          </a:xfrm>
-          <a:prstGeom prst="rect">
-            <a:avLst/>
-          </a:prstGeom>
-          <a:noFill/>
-          <a:ln>
-            <a:noFill/>
-          </a:ln>
-        </p:spPr>
-      </p:pic>
-      <p:pic>
-        <p:nvPicPr>
-          <p:cNvPr id="412" name="Google Shape;412;p28"/>
-          <p:cNvPicPr preferRelativeResize="0"/>
-          <p:nvPr/>
-        </p:nvPicPr>
-        <p:blipFill>
-          <a:blip r:embed="rId5">
-            <a:alphaModFix/>
-          </a:blip>
-          <a:stretch>
-            <a:fillRect/>
-          </a:stretch>
-        </p:blipFill>
-        <p:spPr>
-          <a:xfrm>
-            <a:off x="6492343" y="1797385"/>
-            <a:ext cx="599803" cy="599800"/>
-          </a:xfrm>
-          <a:prstGeom prst="rect">
-            <a:avLst/>
-          </a:prstGeom>
-          <a:noFill/>
-          <a:ln>
-            <a:noFill/>
-          </a:ln>
-        </p:spPr>
-      </p:pic>
-      <p:pic>
-        <p:nvPicPr>
-          <p:cNvPr id="410" name="Google Shape;410;p28"/>
-          <p:cNvPicPr preferRelativeResize="0"/>
-          <p:nvPr/>
-        </p:nvPicPr>
-        <p:blipFill>
-          <a:blip r:embed="rId6">
-            <a:alphaModFix/>
-          </a:blip>
-          <a:stretch>
-            <a:fillRect/>
-          </a:stretch>
-        </p:blipFill>
-        <p:spPr>
-          <a:xfrm>
-            <a:off x="5412532" y="1794937"/>
-            <a:ext cx="599800" cy="599800"/>
           </a:xfrm>
           <a:prstGeom prst="rect">
             <a:avLst/>
@@ -5574,7 +5406,7 @@
           <p:nvPr/>
         </p:nvPicPr>
         <p:blipFill>
-          <a:blip r:embed="rId7">
+          <a:blip r:embed="rId5">
             <a:alphaModFix/>
           </a:blip>
           <a:stretch>
@@ -5583,7 +5415,7 @@
         </p:blipFill>
         <p:spPr>
           <a:xfrm>
-            <a:off x="3033624" y="1795925"/>
+            <a:off x="1912170" y="1795915"/>
             <a:ext cx="597831" cy="597825"/>
           </a:xfrm>
           <a:prstGeom prst="rect">
@@ -5602,7 +5434,7 @@
           <p:nvPr/>
         </p:nvPicPr>
         <p:blipFill>
-          <a:blip r:embed="rId8">
+          <a:blip r:embed="rId6">
             <a:alphaModFix/>
           </a:blip>
           <a:stretch>
@@ -5611,64 +5443,8 @@
         </p:blipFill>
         <p:spPr>
           <a:xfrm>
-            <a:off x="4228619" y="3943114"/>
+            <a:off x="6052662" y="1841125"/>
             <a:ext cx="507406" cy="507404"/>
-          </a:xfrm>
-          <a:prstGeom prst="rect">
-            <a:avLst/>
-          </a:prstGeom>
-          <a:noFill/>
-          <a:ln>
-            <a:noFill/>
-          </a:ln>
-        </p:spPr>
-      </p:pic>
-      <p:pic>
-        <p:nvPicPr>
-          <p:cNvPr id="402" name="Google Shape;402;p28"/>
-          <p:cNvPicPr preferRelativeResize="0"/>
-          <p:nvPr/>
-        </p:nvPicPr>
-        <p:blipFill>
-          <a:blip r:embed="rId9">
-            <a:alphaModFix/>
-          </a:blip>
-          <a:stretch>
-            <a:fillRect/>
-          </a:stretch>
-        </p:blipFill>
-        <p:spPr>
-          <a:xfrm>
-            <a:off x="4226770" y="2765679"/>
-            <a:ext cx="507404" cy="507404"/>
-          </a:xfrm>
-          <a:prstGeom prst="rect">
-            <a:avLst/>
-          </a:prstGeom>
-          <a:noFill/>
-          <a:ln>
-            <a:noFill/>
-          </a:ln>
-        </p:spPr>
-      </p:pic>
-      <p:pic>
-        <p:nvPicPr>
-          <p:cNvPr id="399" name="Google Shape;399;p28"/>
-          <p:cNvPicPr preferRelativeResize="0"/>
-          <p:nvPr/>
-        </p:nvPicPr>
-        <p:blipFill>
-          <a:blip r:embed="rId10">
-            <a:alphaModFix/>
-          </a:blip>
-          <a:stretch>
-            <a:fillRect/>
-          </a:stretch>
-        </p:blipFill>
-        <p:spPr>
-          <a:xfrm>
-            <a:off x="2779695" y="3943119"/>
-            <a:ext cx="507404" cy="507404"/>
           </a:xfrm>
           <a:prstGeom prst="rect">
             <a:avLst/>
@@ -5694,10 +5470,10 @@
           <p:nvPr/>
         </p:nvPicPr>
         <p:blipFill>
-          <a:blip r:embed="rId11">
+          <a:blip r:embed="rId7">
             <a:extLst>
               <a:ext uri="{96DAC541-7B7A-43D3-8B79-37D633B846F1}">
-                <asvg:svgBlip xmlns:asvg="http://schemas.microsoft.com/office/drawing/2016/SVG/main" r:embed="rId12"/>
+                <asvg:svgBlip xmlns:asvg="http://schemas.microsoft.com/office/drawing/2016/SVG/main" xmlns="" r:embed="rId8"/>
               </a:ext>
             </a:extLst>
           </a:blip>
@@ -5707,7 +5483,7 @@
         </p:blipFill>
         <p:spPr>
           <a:xfrm>
-            <a:off x="7312301" y="678450"/>
+            <a:off x="6031591" y="393075"/>
             <a:ext cx="549549" cy="549549"/>
           </a:xfrm>
           <a:prstGeom prst="rect">
@@ -5729,8 +5505,8 @@
         </p:nvSpPr>
         <p:spPr>
           <a:xfrm>
-            <a:off x="1638651" y="1029139"/>
-            <a:ext cx="914100" cy="290100"/>
+            <a:off x="1750639" y="1041848"/>
+            <a:ext cx="1359730" cy="290100"/>
           </a:xfrm>
           <a:prstGeom prst="rect">
             <a:avLst/>
@@ -5756,13 +5532,40 @@
               <a:buNone/>
             </a:pPr>
             <a:r>
+              <a:rPr lang="en-US" sz="900" dirty="0">
+                <a:latin typeface="Consolas"/>
+                <a:ea typeface="Consolas"/>
+                <a:cs typeface="Consolas"/>
+                <a:sym typeface="Consolas"/>
+              </a:rPr>
+              <a:t>G</a:t>
+            </a:r>
+            <a:r>
               <a:rPr lang="fr" sz="900" dirty="0" err="1">
                 <a:latin typeface="Consolas"/>
                 <a:ea typeface="Consolas"/>
                 <a:cs typeface="Consolas"/>
                 <a:sym typeface="Consolas"/>
               </a:rPr>
-              <a:t>grafana</a:t>
+              <a:t>rafana</a:t>
+            </a:r>
+            <a:r>
+              <a:rPr lang="fr" sz="900" dirty="0">
+                <a:latin typeface="Consolas"/>
+                <a:ea typeface="Consolas"/>
+                <a:cs typeface="Consolas"/>
+                <a:sym typeface="Consolas"/>
+              </a:rPr>
+              <a:t> </a:t>
+            </a:r>
+            <a:r>
+              <a:rPr lang="fr" sz="900" dirty="0" err="1">
+                <a:latin typeface="Consolas"/>
+                <a:ea typeface="Consolas"/>
+                <a:cs typeface="Consolas"/>
+                <a:sym typeface="Consolas"/>
+              </a:rPr>
+              <a:t>namespace</a:t>
             </a:r>
             <a:endParaRPr sz="900" dirty="0">
               <a:latin typeface="Consolas"/>
@@ -5787,7 +5590,7 @@
         </p:nvGrpSpPr>
         <p:grpSpPr>
           <a:xfrm>
-            <a:off x="3410469" y="1730864"/>
+            <a:off x="2289016" y="1731841"/>
             <a:ext cx="290100" cy="290100"/>
             <a:chOff x="1645130" y="2938914"/>
             <a:chExt cx="469900" cy="469900"/>
@@ -5860,10 +5663,10 @@
             <p:nvPr/>
           </p:nvPicPr>
           <p:blipFill>
-            <a:blip r:embed="rId13">
+            <a:blip r:embed="rId9">
               <a:extLst>
                 <a:ext uri="{96DAC541-7B7A-43D3-8B79-37D633B846F1}">
-                  <asvg:svgBlip xmlns:asvg="http://schemas.microsoft.com/office/drawing/2016/SVG/main" r:embed="rId14"/>
+                  <asvg:svgBlip xmlns:asvg="http://schemas.microsoft.com/office/drawing/2016/SVG/main" xmlns="" r:embed="rId10"/>
                 </a:ext>
               </a:extLst>
             </a:blip>
@@ -5882,42 +5685,6 @@
           </p:spPr>
         </p:pic>
       </p:grpSp>
-      <p:pic>
-        <p:nvPicPr>
-          <p:cNvPr id="34" name="Graphic 33">
-            <a:extLst>
-              <a:ext uri="{FF2B5EF4-FFF2-40B4-BE49-F238E27FC236}">
-                <a16:creationId xmlns:a16="http://schemas.microsoft.com/office/drawing/2014/main" id="{1B43EAB7-0D4A-CE4E-8077-F6ACDB0C35B8}"/>
-              </a:ext>
-            </a:extLst>
-          </p:cNvPr>
-          <p:cNvPicPr>
-            <a:picLocks noChangeAspect="1"/>
-          </p:cNvPicPr>
-          <p:nvPr/>
-        </p:nvPicPr>
-        <p:blipFill>
-          <a:blip r:embed="rId15">
-            <a:extLst>
-              <a:ext uri="{96DAC541-7B7A-43D3-8B79-37D633B846F1}">
-                <asvg:svgBlip xmlns:asvg="http://schemas.microsoft.com/office/drawing/2016/SVG/main" r:embed="rId16"/>
-              </a:ext>
-            </a:extLst>
-          </a:blip>
-          <a:stretch>
-            <a:fillRect/>
-          </a:stretch>
-        </p:blipFill>
-        <p:spPr>
-          <a:xfrm>
-            <a:off x="3088245" y="3889630"/>
-            <a:ext cx="246094" cy="246094"/>
-          </a:xfrm>
-          <a:prstGeom prst="rect">
-            <a:avLst/>
-          </a:prstGeom>
-        </p:spPr>
-      </p:pic>
       <p:sp>
         <p:nvSpPr>
           <p:cNvPr id="35" name="Google Shape;413;p28">
@@ -5932,7 +5699,7 @@
         </p:nvSpPr>
         <p:spPr>
           <a:xfrm>
-            <a:off x="2829943" y="2379355"/>
+            <a:off x="1708489" y="2430432"/>
             <a:ext cx="1005191" cy="290100"/>
           </a:xfrm>
           <a:prstGeom prst="rect">
@@ -5968,40 +5735,22 @@
               <a:t>C</a:t>
             </a:r>
             <a:r>
-              <a:rPr lang="fr" sz="900" dirty="0" err="1">
-                <a:latin typeface="Consolas"/>
-                <a:ea typeface="Consolas"/>
-                <a:cs typeface="Consolas"/>
-                <a:sym typeface="Consolas"/>
-              </a:rPr>
-              <a:t>lassic</a:t>
-            </a:r>
-            <a:r>
               <a:rPr lang="fr" sz="900" dirty="0">
                 <a:latin typeface="Consolas"/>
                 <a:ea typeface="Consolas"/>
                 <a:cs typeface="Consolas"/>
                 <a:sym typeface="Consolas"/>
               </a:rPr>
-              <a:t> </a:t>
+              <a:t>lassic </a:t>
             </a:r>
             <a:r>
-              <a:rPr lang="fr" sz="900" dirty="0" err="1">
+              <a:rPr lang="fr" sz="900" dirty="0" smtClean="0">
                 <a:latin typeface="Consolas"/>
                 <a:ea typeface="Consolas"/>
                 <a:cs typeface="Consolas"/>
                 <a:sym typeface="Consolas"/>
               </a:rPr>
-              <a:t>load</a:t>
-            </a:r>
-            <a:r>
-              <a:rPr lang="fr" sz="900" dirty="0">
-                <a:latin typeface="Consolas"/>
-                <a:ea typeface="Consolas"/>
-                <a:cs typeface="Consolas"/>
-                <a:sym typeface="Consolas"/>
-              </a:rPr>
-              <a:t> balancer</a:t>
+              <a:t>Load Balancer</a:t>
             </a:r>
             <a:endParaRPr sz="900" dirty="0">
               <a:latin typeface="Consolas"/>
@@ -6026,7 +5775,7 @@
         </p:nvSpPr>
         <p:spPr>
           <a:xfrm>
-            <a:off x="3977876" y="4478474"/>
+            <a:off x="5789413" y="2380332"/>
             <a:ext cx="1005191" cy="133505"/>
           </a:xfrm>
           <a:prstGeom prst="rect">
@@ -6059,7 +5808,16 @@
                 <a:cs typeface="Consolas"/>
                 <a:sym typeface="Consolas"/>
               </a:rPr>
-              <a:t>EBS Volume</a:t>
+              <a:t>EBS </a:t>
+            </a:r>
+            <a:r>
+              <a:rPr lang="en-US" sz="900" dirty="0" smtClean="0">
+                <a:latin typeface="Consolas"/>
+                <a:ea typeface="Consolas"/>
+                <a:cs typeface="Consolas"/>
+                <a:sym typeface="Consolas"/>
+              </a:rPr>
+              <a:t>volume</a:t>
             </a:r>
             <a:endParaRPr sz="900" dirty="0">
               <a:latin typeface="Consolas"/>
@@ -6067,6 +5825,528 @@
               <a:cs typeface="Consolas"/>
               <a:sym typeface="Consolas"/>
             </a:endParaRPr>
+          </a:p>
+        </p:txBody>
+      </p:sp>
+      <p:sp>
+        <p:nvSpPr>
+          <p:cNvPr id="28" name="Google Shape;395;p28">
+            <a:extLst>
+              <a:ext uri="{FF2B5EF4-FFF2-40B4-BE49-F238E27FC236}">
+                <a16:creationId xmlns:a16="http://schemas.microsoft.com/office/drawing/2014/main" id="{23B637FB-CED3-2E4D-9761-C1BBA1FB0B09}"/>
+              </a:ext>
+            </a:extLst>
+          </p:cNvPr>
+          <p:cNvSpPr/>
+          <p:nvPr/>
+        </p:nvSpPr>
+        <p:spPr>
+          <a:xfrm>
+            <a:off x="3461520" y="1665845"/>
+            <a:ext cx="1267057" cy="905905"/>
+          </a:xfrm>
+          <a:prstGeom prst="roundRect">
+            <a:avLst>
+              <a:gd name="adj" fmla="val 7982"/>
+            </a:avLst>
+          </a:prstGeom>
+          <a:noFill/>
+          <a:ln w="9525" cap="flat" cmpd="sng">
+            <a:solidFill>
+              <a:srgbClr val="000000"/>
+            </a:solidFill>
+            <a:prstDash val="dash"/>
+            <a:round/>
+            <a:headEnd type="none" w="sm" len="sm"/>
+            <a:tailEnd type="none" w="sm" len="sm"/>
+          </a:ln>
+        </p:spPr>
+        <p:txBody>
+          <a:bodyPr spcFirstLastPara="1" wrap="square" lIns="91425" tIns="91425" rIns="91425" bIns="91425" anchor="ctr" anchorCtr="0">
+            <a:noAutofit/>
+          </a:bodyPr>
+          <a:lstStyle/>
+          <a:p>
+            <a:pPr marL="0" lvl="0" indent="0" algn="l" rtl="0">
+              <a:spcBef>
+                <a:spcPts val="0"/>
+              </a:spcBef>
+              <a:spcAft>
+                <a:spcPts val="0"/>
+              </a:spcAft>
+              <a:buNone/>
+            </a:pPr>
+            <a:endParaRPr/>
+          </a:p>
+        </p:txBody>
+      </p:sp>
+      <p:sp>
+        <p:nvSpPr>
+          <p:cNvPr id="32" name="Google Shape;413;p28">
+            <a:extLst>
+              <a:ext uri="{FF2B5EF4-FFF2-40B4-BE49-F238E27FC236}">
+                <a16:creationId xmlns:a16="http://schemas.microsoft.com/office/drawing/2014/main" id="{7B4826D5-C309-D94C-914B-9204810D5014}"/>
+              </a:ext>
+            </a:extLst>
+          </p:cNvPr>
+          <p:cNvSpPr txBox="1"/>
+          <p:nvPr/>
+        </p:nvSpPr>
+        <p:spPr>
+          <a:xfrm>
+            <a:off x="3699946" y="1422371"/>
+            <a:ext cx="914100" cy="290100"/>
+          </a:xfrm>
+          <a:prstGeom prst="rect">
+            <a:avLst/>
+          </a:prstGeom>
+          <a:noFill/>
+          <a:ln>
+            <a:noFill/>
+          </a:ln>
+        </p:spPr>
+        <p:txBody>
+          <a:bodyPr spcFirstLastPara="1" wrap="square" lIns="91425" tIns="91425" rIns="91425" bIns="91425" anchor="ctr" anchorCtr="0">
+            <a:noAutofit/>
+          </a:bodyPr>
+          <a:lstStyle/>
+          <a:p>
+            <a:pPr marL="0" lvl="0" indent="0" algn="ctr" rtl="0">
+              <a:spcBef>
+                <a:spcPts val="0"/>
+              </a:spcBef>
+              <a:spcAft>
+                <a:spcPts val="0"/>
+              </a:spcAft>
+              <a:buNone/>
+            </a:pPr>
+            <a:r>
+              <a:rPr lang="fr" sz="900" dirty="0" err="1">
+                <a:latin typeface="Consolas"/>
+                <a:ea typeface="Consolas"/>
+                <a:cs typeface="Consolas"/>
+                <a:sym typeface="Consolas"/>
+              </a:rPr>
+              <a:t>deployment</a:t>
+            </a:r>
+            <a:endParaRPr sz="900" dirty="0">
+              <a:latin typeface="Consolas"/>
+              <a:ea typeface="Consolas"/>
+              <a:cs typeface="Consolas"/>
+              <a:sym typeface="Consolas"/>
+            </a:endParaRPr>
+          </a:p>
+        </p:txBody>
+      </p:sp>
+      <p:sp>
+        <p:nvSpPr>
+          <p:cNvPr id="37" name="Google Shape;395;p28">
+            <a:extLst>
+              <a:ext uri="{FF2B5EF4-FFF2-40B4-BE49-F238E27FC236}">
+                <a16:creationId xmlns:a16="http://schemas.microsoft.com/office/drawing/2014/main" id="{82DDF472-F602-C744-B827-A925C1197B74}"/>
+              </a:ext>
+            </a:extLst>
+          </p:cNvPr>
+          <p:cNvSpPr/>
+          <p:nvPr/>
+        </p:nvSpPr>
+        <p:spPr>
+          <a:xfrm>
+            <a:off x="5581263" y="1662472"/>
+            <a:ext cx="1357847" cy="905905"/>
+          </a:xfrm>
+          <a:prstGeom prst="roundRect">
+            <a:avLst>
+              <a:gd name="adj" fmla="val 7982"/>
+            </a:avLst>
+          </a:prstGeom>
+          <a:noFill/>
+          <a:ln w="9525" cap="flat" cmpd="sng">
+            <a:solidFill>
+              <a:srgbClr val="000000"/>
+            </a:solidFill>
+            <a:prstDash val="dash"/>
+            <a:round/>
+            <a:headEnd type="none" w="sm" len="sm"/>
+            <a:tailEnd type="none" w="sm" len="sm"/>
+          </a:ln>
+        </p:spPr>
+        <p:txBody>
+          <a:bodyPr spcFirstLastPara="1" wrap="square" lIns="91425" tIns="91425" rIns="91425" bIns="91425" anchor="ctr" anchorCtr="0">
+            <a:noAutofit/>
+          </a:bodyPr>
+          <a:lstStyle/>
+          <a:p>
+            <a:pPr marL="0" lvl="0" indent="0" algn="l" rtl="0">
+              <a:spcBef>
+                <a:spcPts val="0"/>
+              </a:spcBef>
+              <a:spcAft>
+                <a:spcPts val="0"/>
+              </a:spcAft>
+              <a:buNone/>
+            </a:pPr>
+            <a:endParaRPr/>
+          </a:p>
+        </p:txBody>
+      </p:sp>
+      <p:sp>
+        <p:nvSpPr>
+          <p:cNvPr id="40" name="Google Shape;413;p28">
+            <a:extLst>
+              <a:ext uri="{FF2B5EF4-FFF2-40B4-BE49-F238E27FC236}">
+                <a16:creationId xmlns:a16="http://schemas.microsoft.com/office/drawing/2014/main" id="{1E166F74-041C-9444-87B0-3D3C1AC0AF3B}"/>
+              </a:ext>
+            </a:extLst>
+          </p:cNvPr>
+          <p:cNvSpPr txBox="1"/>
+          <p:nvPr/>
+        </p:nvSpPr>
+        <p:spPr>
+          <a:xfrm>
+            <a:off x="5704636" y="1422371"/>
+            <a:ext cx="1357847" cy="290100"/>
+          </a:xfrm>
+          <a:prstGeom prst="rect">
+            <a:avLst/>
+          </a:prstGeom>
+          <a:noFill/>
+          <a:ln>
+            <a:noFill/>
+          </a:ln>
+        </p:spPr>
+        <p:txBody>
+          <a:bodyPr spcFirstLastPara="1" wrap="square" lIns="91425" tIns="91425" rIns="91425" bIns="91425" anchor="ctr" anchorCtr="0">
+            <a:noAutofit/>
+          </a:bodyPr>
+          <a:lstStyle/>
+          <a:p>
+            <a:pPr marL="0" lvl="0" indent="0" algn="ctr" rtl="0">
+              <a:spcBef>
+                <a:spcPts val="0"/>
+              </a:spcBef>
+              <a:spcAft>
+                <a:spcPts val="0"/>
+              </a:spcAft>
+              <a:buNone/>
+            </a:pPr>
+            <a:r>
+              <a:rPr lang="fr" sz="900" dirty="0" err="1">
+                <a:latin typeface="Consolas"/>
+                <a:ea typeface="Consolas"/>
+                <a:cs typeface="Consolas"/>
+                <a:sym typeface="Consolas"/>
+              </a:rPr>
+              <a:t>storage</a:t>
+            </a:r>
+            <a:r>
+              <a:rPr lang="fr" sz="900" dirty="0">
+                <a:latin typeface="Consolas"/>
+                <a:ea typeface="Consolas"/>
+                <a:cs typeface="Consolas"/>
+                <a:sym typeface="Consolas"/>
+              </a:rPr>
+              <a:t> class</a:t>
+            </a:r>
+            <a:endParaRPr sz="900" dirty="0">
+              <a:latin typeface="Consolas"/>
+              <a:ea typeface="Consolas"/>
+              <a:cs typeface="Consolas"/>
+              <a:sym typeface="Consolas"/>
+            </a:endParaRPr>
+          </a:p>
+        </p:txBody>
+      </p:sp>
+      <p:pic>
+        <p:nvPicPr>
+          <p:cNvPr id="412" name="Google Shape;412;p28"/>
+          <p:cNvPicPr preferRelativeResize="0"/>
+          <p:nvPr/>
+        </p:nvPicPr>
+        <p:blipFill>
+          <a:blip r:embed="rId11">
+            <a:alphaModFix/>
+          </a:blip>
+          <a:stretch>
+            <a:fillRect/>
+          </a:stretch>
+        </p:blipFill>
+        <p:spPr>
+          <a:xfrm>
+            <a:off x="3517636" y="1512704"/>
+            <a:ext cx="282224" cy="282223"/>
+          </a:xfrm>
+          <a:prstGeom prst="rect">
+            <a:avLst/>
+          </a:prstGeom>
+          <a:noFill/>
+          <a:ln>
+            <a:noFill/>
+          </a:ln>
+        </p:spPr>
+      </p:pic>
+      <p:pic>
+        <p:nvPicPr>
+          <p:cNvPr id="399" name="Google Shape;399;p28"/>
+          <p:cNvPicPr preferRelativeResize="0"/>
+          <p:nvPr/>
+        </p:nvPicPr>
+        <p:blipFill>
+          <a:blip r:embed="rId12">
+            <a:alphaModFix/>
+          </a:blip>
+          <a:stretch>
+            <a:fillRect/>
+          </a:stretch>
+        </p:blipFill>
+        <p:spPr>
+          <a:xfrm>
+            <a:off x="5652951" y="1498480"/>
+            <a:ext cx="299350" cy="302934"/>
+          </a:xfrm>
+          <a:prstGeom prst="rect">
+            <a:avLst/>
+          </a:prstGeom>
+          <a:noFill/>
+          <a:ln>
+            <a:noFill/>
+          </a:ln>
+        </p:spPr>
+      </p:pic>
+      <p:sp>
+        <p:nvSpPr>
+          <p:cNvPr id="44" name="Google Shape;413;p28">
+            <a:extLst>
+              <a:ext uri="{FF2B5EF4-FFF2-40B4-BE49-F238E27FC236}">
+                <a16:creationId xmlns:a16="http://schemas.microsoft.com/office/drawing/2014/main" id="{7ED4CCDA-177A-F248-A37C-5013D5AE5398}"/>
+              </a:ext>
+            </a:extLst>
+          </p:cNvPr>
+          <p:cNvSpPr txBox="1"/>
+          <p:nvPr/>
+        </p:nvSpPr>
+        <p:spPr>
+          <a:xfrm>
+            <a:off x="3629344" y="2322563"/>
+            <a:ext cx="914100" cy="290100"/>
+          </a:xfrm>
+          <a:prstGeom prst="rect">
+            <a:avLst/>
+          </a:prstGeom>
+          <a:noFill/>
+          <a:ln>
+            <a:noFill/>
+          </a:ln>
+        </p:spPr>
+        <p:txBody>
+          <a:bodyPr spcFirstLastPara="1" wrap="square" lIns="91425" tIns="91425" rIns="91425" bIns="91425" anchor="ctr" anchorCtr="0">
+            <a:noAutofit/>
+          </a:bodyPr>
+          <a:lstStyle/>
+          <a:p>
+            <a:pPr marL="0" lvl="0" indent="0" algn="ctr" rtl="0">
+              <a:spcBef>
+                <a:spcPts val="0"/>
+              </a:spcBef>
+              <a:spcAft>
+                <a:spcPts val="0"/>
+              </a:spcAft>
+              <a:buNone/>
+            </a:pPr>
+            <a:r>
+              <a:rPr lang="fr" sz="900" dirty="0" err="1">
+                <a:latin typeface="Consolas"/>
+                <a:ea typeface="Consolas"/>
+                <a:cs typeface="Consolas"/>
+                <a:sym typeface="Consolas"/>
+              </a:rPr>
+              <a:t>Grafana</a:t>
+            </a:r>
+            <a:r>
+              <a:rPr lang="fr" sz="900" dirty="0">
+                <a:latin typeface="Consolas"/>
+                <a:ea typeface="Consolas"/>
+                <a:cs typeface="Consolas"/>
+                <a:sym typeface="Consolas"/>
+              </a:rPr>
+              <a:t> </a:t>
+            </a:r>
+            <a:r>
+              <a:rPr lang="fr" sz="900" dirty="0" err="1">
+                <a:latin typeface="Consolas"/>
+                <a:ea typeface="Consolas"/>
+                <a:cs typeface="Consolas"/>
+                <a:sym typeface="Consolas"/>
+              </a:rPr>
+              <a:t>pod</a:t>
+            </a:r>
+            <a:endParaRPr sz="900" dirty="0">
+              <a:latin typeface="Consolas"/>
+              <a:ea typeface="Consolas"/>
+              <a:cs typeface="Consolas"/>
+              <a:sym typeface="Consolas"/>
+            </a:endParaRPr>
+          </a:p>
+        </p:txBody>
+      </p:sp>
+      <p:sp>
+        <p:nvSpPr>
+          <p:cNvPr id="26" name="TextBox 9">
+            <a:extLst>
+              <a:ext uri="{FF2B5EF4-FFF2-40B4-BE49-F238E27FC236}">
+                <a16:creationId xmlns:a16="http://schemas.microsoft.com/office/drawing/2014/main" id="{5A05B158-B70B-5F4F-B0E2-17894FAAF34C}"/>
+              </a:ext>
+            </a:extLst>
+          </p:cNvPr>
+          <p:cNvSpPr txBox="1">
+            <a:spLocks noChangeArrowheads="1"/>
+          </p:cNvSpPr>
+          <p:nvPr/>
+        </p:nvSpPr>
+        <p:spPr bwMode="auto">
+          <a:xfrm>
+            <a:off x="5232916" y="932988"/>
+            <a:ext cx="2268538" cy="369332"/>
+          </a:xfrm>
+          <a:prstGeom prst="rect">
+            <a:avLst/>
+          </a:prstGeom>
+          <a:noFill/>
+          <a:ln>
+            <a:noFill/>
+          </a:ln>
+          <a:extLst>
+            <a:ext uri="{909E8E84-426E-40DD-AFC4-6F175D3DCCD1}">
+              <a14:hiddenFill xmlns:a14="http://schemas.microsoft.com/office/drawing/2010/main">
+                <a:solidFill>
+                  <a:srgbClr val="FFFFFF"/>
+                </a:solidFill>
+              </a14:hiddenFill>
+            </a:ext>
+            <a:ext uri="{91240B29-F687-4F45-9708-019B960494DF}">
+              <a14:hiddenLine xmlns:a14="http://schemas.microsoft.com/office/drawing/2010/main" w="9525">
+                <a:solidFill>
+                  <a:srgbClr val="000000"/>
+                </a:solidFill>
+                <a:miter lim="800000"/>
+                <a:headEnd/>
+                <a:tailEnd/>
+              </a14:hiddenLine>
+            </a:ext>
+          </a:extLst>
+        </p:spPr>
+        <p:txBody>
+          <a:bodyPr wrap="square">
+            <a:spAutoFit/>
+          </a:bodyPr>
+          <a:lstStyle>
+            <a:lvl1pPr>
+              <a:defRPr>
+                <a:solidFill>
+                  <a:schemeClr val="tx1"/>
+                </a:solidFill>
+                <a:latin typeface="Calibri" panose="020F0502020204030204" pitchFamily="34" charset="0"/>
+              </a:defRPr>
+            </a:lvl1pPr>
+            <a:lvl2pPr marL="742950" indent="-285750">
+              <a:defRPr>
+                <a:solidFill>
+                  <a:schemeClr val="tx1"/>
+                </a:solidFill>
+                <a:latin typeface="Calibri" panose="020F0502020204030204" pitchFamily="34" charset="0"/>
+              </a:defRPr>
+            </a:lvl2pPr>
+            <a:lvl3pPr marL="1143000" indent="-228600">
+              <a:defRPr>
+                <a:solidFill>
+                  <a:schemeClr val="tx1"/>
+                </a:solidFill>
+                <a:latin typeface="Calibri" panose="020F0502020204030204" pitchFamily="34" charset="0"/>
+              </a:defRPr>
+            </a:lvl3pPr>
+            <a:lvl4pPr marL="1600200" indent="-228600">
+              <a:defRPr>
+                <a:solidFill>
+                  <a:schemeClr val="tx1"/>
+                </a:solidFill>
+                <a:latin typeface="Calibri" panose="020F0502020204030204" pitchFamily="34" charset="0"/>
+              </a:defRPr>
+            </a:lvl4pPr>
+            <a:lvl5pPr marL="2057400" indent="-228600">
+              <a:defRPr>
+                <a:solidFill>
+                  <a:schemeClr val="tx1"/>
+                </a:solidFill>
+                <a:latin typeface="Calibri" panose="020F0502020204030204" pitchFamily="34" charset="0"/>
+              </a:defRPr>
+            </a:lvl5pPr>
+            <a:lvl6pPr marL="2514600" indent="-228600" eaLnBrk="0" fontAlgn="base" hangingPunct="0">
+              <a:spcBef>
+                <a:spcPct val="0"/>
+              </a:spcBef>
+              <a:spcAft>
+                <a:spcPct val="0"/>
+              </a:spcAft>
+              <a:defRPr>
+                <a:solidFill>
+                  <a:schemeClr val="tx1"/>
+                </a:solidFill>
+                <a:latin typeface="Calibri" panose="020F0502020204030204" pitchFamily="34" charset="0"/>
+              </a:defRPr>
+            </a:lvl6pPr>
+            <a:lvl7pPr marL="2971800" indent="-228600" eaLnBrk="0" fontAlgn="base" hangingPunct="0">
+              <a:spcBef>
+                <a:spcPct val="0"/>
+              </a:spcBef>
+              <a:spcAft>
+                <a:spcPct val="0"/>
+              </a:spcAft>
+              <a:defRPr>
+                <a:solidFill>
+                  <a:schemeClr val="tx1"/>
+                </a:solidFill>
+                <a:latin typeface="Calibri" panose="020F0502020204030204" pitchFamily="34" charset="0"/>
+              </a:defRPr>
+            </a:lvl7pPr>
+            <a:lvl8pPr marL="3429000" indent="-228600" eaLnBrk="0" fontAlgn="base" hangingPunct="0">
+              <a:spcBef>
+                <a:spcPct val="0"/>
+              </a:spcBef>
+              <a:spcAft>
+                <a:spcPct val="0"/>
+              </a:spcAft>
+              <a:defRPr>
+                <a:solidFill>
+                  <a:schemeClr val="tx1"/>
+                </a:solidFill>
+                <a:latin typeface="Calibri" panose="020F0502020204030204" pitchFamily="34" charset="0"/>
+              </a:defRPr>
+            </a:lvl8pPr>
+            <a:lvl9pPr marL="3886200" indent="-228600" eaLnBrk="0" fontAlgn="base" hangingPunct="0">
+              <a:spcBef>
+                <a:spcPct val="0"/>
+              </a:spcBef>
+              <a:spcAft>
+                <a:spcPct val="0"/>
+              </a:spcAft>
+              <a:defRPr>
+                <a:solidFill>
+                  <a:schemeClr val="tx1"/>
+                </a:solidFill>
+                <a:latin typeface="Calibri" panose="020F0502020204030204" pitchFamily="34" charset="0"/>
+              </a:defRPr>
+            </a:lvl9pPr>
+          </a:lstStyle>
+          <a:p>
+            <a:pPr algn="ctr" eaLnBrk="1" hangingPunct="1"/>
+            <a:r>
+              <a:rPr lang="en-US" altLang="en-US" sz="900" dirty="0">
+                <a:latin typeface="Consolas" panose="020B0609020204030204" pitchFamily="49" charset="0"/>
+                <a:ea typeface="Amazon Ember" panose="020B0603020204020204" pitchFamily="34" charset="0"/>
+                <a:cs typeface="Arial" panose="020B0604020202020204" pitchFamily="34" charset="0"/>
+              </a:rPr>
+              <a:t>Amazon Elastic Kubernetes Service (Amazon EKS)</a:t>
+            </a:r>
           </a:p>
         </p:txBody>
       </p:sp>
